--- a/Docs/Kickify.pptx
+++ b/Docs/Kickify.pptx
@@ -111,6 +111,11 @@
       </a:defRPr>
     </a:lvl9pPr>
   </p:defaultTextStyle>
+  <p:extLst>
+    <p:ext uri="{EFAFB233-063F-42B5-8137-9DF3F51BA10A}">
+      <p15:sldGuideLst xmlns:p15="http://schemas.microsoft.com/office/powerpoint/2012/main"/>
+    </p:ext>
+  </p:extLst>
 </p:presentation>
 </file>
 
@@ -3683,19 +3688,15 @@
             </a:r>
             <a:r>
               <a:rPr lang="it-IT" dirty="0"/>
-              <a:t> (impronta digitale) </a:t>
-            </a:r>
-            <a:r>
-              <a:rPr lang="it-IT" b="1" dirty="0"/>
-              <a:t>e tramite </a:t>
-            </a:r>
-            <a:r>
-              <a:rPr lang="it-IT" b="1" dirty="0" err="1"/>
+              <a:t> (impronta digitale o tramite </a:t>
+            </a:r>
+            <a:r>
+              <a:rPr lang="it-IT" dirty="0" err="1"/>
               <a:t>FaceID</a:t>
             </a:r>
             <a:r>
               <a:rPr lang="it-IT" dirty="0"/>
-              <a:t> per un accesso rapido e sicuro.</a:t>
+              <a:t>) per un accesso rapido e sicuro.</a:t>
             </a:r>
           </a:p>
           <a:p>
@@ -3745,6 +3746,13 @@
             </a:r>
           </a:p>
           <a:p>
+            <a:pPr lvl="1" fontAlgn="base"/>
+            <a:r>
+              <a:rPr lang="it-IT" dirty="0"/>
+              <a:t>L’utente può selezionare una foto presente nella memoria interna come foto profilo, oppure scattare una foto all’interno dell’app con CameraX; la foto verrà salvata nella memoria interna nella cartella DCIM</a:t>
+            </a:r>
+          </a:p>
+          <a:p>
             <a:pPr fontAlgn="base"/>
             <a:r>
               <a:rPr lang="it-IT" b="1" dirty="0"/>
@@ -3804,44 +3812,6 @@
             <a:r>
               <a:rPr lang="it-IT" dirty="0"/>
               <a:t>.</a:t>
-            </a:r>
-          </a:p>
-          <a:p>
-            <a:pPr fontAlgn="base"/>
-            <a:r>
-              <a:rPr lang="it-IT" b="1" dirty="0"/>
-              <a:t>Visualizzazione e Dettaglio degli Item:</a:t>
-            </a:r>
-            <a:endParaRPr lang="it-IT" dirty="0"/>
-          </a:p>
-          <a:p>
-            <a:pPr lvl="1" fontAlgn="base"/>
-            <a:r>
-              <a:rPr lang="it-IT" b="1" dirty="0"/>
-              <a:t>Lista di Item:</a:t>
-            </a:r>
-            <a:r>
-              <a:rPr lang="it-IT" dirty="0"/>
-              <a:t> Pagina dedicata alla visualizzazione di </a:t>
-            </a:r>
-            <a:r>
-              <a:rPr lang="it-IT" b="1" dirty="0"/>
-              <a:t>liste di prodotti</a:t>
-            </a:r>
-            <a:r>
-              <a:rPr lang="it-IT" dirty="0"/>
-              <a:t>.</a:t>
-            </a:r>
-          </a:p>
-          <a:p>
-            <a:pPr lvl="1" fontAlgn="base"/>
-            <a:r>
-              <a:rPr lang="it-IT" b="1" dirty="0"/>
-              <a:t>Dettaglio Item Singolo:</a:t>
-            </a:r>
-            <a:r>
-              <a:rPr lang="it-IT" dirty="0"/>
-              <a:t> Pagina specifica per visualizzare i dettagli di un singolo prodotto</a:t>
             </a:r>
           </a:p>
         </p:txBody>
@@ -3949,6 +3919,45 @@
             <a:pPr fontAlgn="base"/>
             <a:r>
               <a:rPr lang="it-IT" b="1" dirty="0"/>
+              <a:t>Visualizzazione e Dettaglio degli Item:</a:t>
+            </a:r>
+            <a:endParaRPr lang="it-IT" dirty="0"/>
+          </a:p>
+          <a:p>
+            <a:pPr lvl="1" fontAlgn="base"/>
+            <a:r>
+              <a:rPr lang="it-IT" b="1" dirty="0"/>
+              <a:t>Lista di Item:</a:t>
+            </a:r>
+            <a:r>
+              <a:rPr lang="it-IT" dirty="0"/>
+              <a:t> Pagina dedicata alla visualizzazione di </a:t>
+            </a:r>
+            <a:r>
+              <a:rPr lang="it-IT" b="1" dirty="0"/>
+              <a:t>liste di prodotti</a:t>
+            </a:r>
+            <a:r>
+              <a:rPr lang="it-IT" dirty="0"/>
+              <a:t>.</a:t>
+            </a:r>
+          </a:p>
+          <a:p>
+            <a:pPr lvl="1" fontAlgn="base"/>
+            <a:r>
+              <a:rPr lang="it-IT" b="1" dirty="0"/>
+              <a:t>Dettaglio Item Singolo:</a:t>
+            </a:r>
+            <a:r>
+              <a:rPr lang="it-IT" dirty="0"/>
+              <a:t> Pagina specifica per visualizzare i dettagli di un singolo prodotto</a:t>
+            </a:r>
+            <a:endParaRPr lang="it-IT" b="1" dirty="0"/>
+          </a:p>
+          <a:p>
+            <a:pPr fontAlgn="base"/>
+            <a:r>
+              <a:rPr lang="it-IT" b="1" dirty="0"/>
               <a:t>Funzionalità di Ricerca/Filtri:</a:t>
             </a:r>
             <a:r>
@@ -4069,7 +4078,7 @@
             </a:r>
             <a:r>
               <a:rPr lang="it-IT" dirty="0"/>
-              <a:t> per il Tracking dell’ordine. Include permessi per la localizzazione.</a:t>
+              <a:t> per il Tracking dell’ordine. </a:t>
             </a:r>
           </a:p>
           <a:p>
@@ -4197,6 +4206,18 @@
             <a:noAutofit/>
           </a:bodyPr>
           <a:lstStyle/>
+          <a:p>
+            <a:pPr fontAlgn="base"/>
+            <a:r>
+              <a:rPr lang="it-IT" b="1" dirty="0"/>
+              <a:t>App multilingua</a:t>
+            </a:r>
+            <a:r>
+              <a:rPr lang="it-IT" dirty="0"/>
+              <a:t>: inglese è la lingua di default, sono disponibili le traduzioni in italiano e spagnolo.</a:t>
+            </a:r>
+            <a:endParaRPr lang="it-IT" b="1" dirty="0"/>
+          </a:p>
           <a:p>
             <a:pPr fontAlgn="base"/>
             <a:r>
@@ -5270,6 +5291,23 @@
 </file>
 
 <file path=customXml/item1.xml><?xml version="1.0" encoding="utf-8"?>
+<p:properties xmlns:p="http://schemas.microsoft.com/office/2006/metadata/properties" xmlns:xsi="http://www.w3.org/2001/XMLSchema-instance" xmlns:pc="http://schemas.microsoft.com/office/infopath/2007/PartnerControls">
+  <documentManagement>
+    <_activity xmlns="7ad3a833-0b26-4e6c-9723-c963fb90c3a3" xsi:nil="true"/>
+  </documentManagement>
+</p:properties>
+</file>
+
+<file path=customXml/item2.xml><?xml version="1.0" encoding="utf-8"?>
+<?mso-contentType ?>
+<FormTemplates xmlns="http://schemas.microsoft.com/sharepoint/v3/contenttype/forms">
+  <Display>DocumentLibraryForm</Display>
+  <Edit>DocumentLibraryForm</Edit>
+  <New>DocumentLibraryForm</New>
+</FormTemplates>
+</file>
+
+<file path=customXml/item3.xml><?xml version="1.0" encoding="utf-8"?>
 <ct:contentTypeSchema xmlns:ct="http://schemas.microsoft.com/office/2006/metadata/contentType" xmlns:ma="http://schemas.microsoft.com/office/2006/metadata/properties/metaAttributes" ct:_="" ma:_="" ma:contentTypeName="Document" ma:contentTypeID="0x01010005582AE6D8B5D841988B3659E993CE00" ma:contentTypeVersion="13" ma:contentTypeDescription="Create a new document." ma:contentTypeScope="" ma:versionID="f69b9a9ab9eec239e706b1806b553108">
   <xsd:schema xmlns:xsd="http://www.w3.org/2001/XMLSchema" xmlns:xs="http://www.w3.org/2001/XMLSchema" xmlns:p="http://schemas.microsoft.com/office/2006/metadata/properties" xmlns:ns3="7ad3a833-0b26-4e6c-9723-c963fb90c3a3" xmlns:ns4="aa3e82dc-60db-414d-b17b-5e5beecd6b2c" targetNamespace="http://schemas.microsoft.com/office/2006/metadata/properties" ma:root="true" ma:fieldsID="56720ed102ebe2d34858669a42b357c9" ns3:_="" ns4:_="">
     <xsd:import namespace="7ad3a833-0b26-4e6c-9723-c963fb90c3a3"/>
@@ -5490,24 +5528,32 @@
 </ct:contentTypeSchema>
 </file>
 
-<file path=customXml/item2.xml><?xml version="1.0" encoding="utf-8"?>
-<?mso-contentType ?>
-<FormTemplates xmlns="http://schemas.microsoft.com/sharepoint/v3/contenttype/forms">
-  <Display>DocumentLibraryForm</Display>
-  <Edit>DocumentLibraryForm</Edit>
-  <New>DocumentLibraryForm</New>
-</FormTemplates>
+<file path=customXml/itemProps1.xml><?xml version="1.0" encoding="utf-8"?>
+<ds:datastoreItem xmlns:ds="http://schemas.openxmlformats.org/officeDocument/2006/customXml" ds:itemID="{CF6CFDA9-A9D9-42A7-9E50-FB1D61822486}">
+  <ds:schemaRefs>
+    <ds:schemaRef ds:uri="http://schemas.microsoft.com/office/2006/documentManagement/types"/>
+    <ds:schemaRef ds:uri="http://schemas.microsoft.com/office/2006/metadata/properties"/>
+    <ds:schemaRef ds:uri="aa3e82dc-60db-414d-b17b-5e5beecd6b2c"/>
+    <ds:schemaRef ds:uri="http://purl.org/dc/elements/1.1/"/>
+    <ds:schemaRef ds:uri="http://purl.org/dc/dcmitype/"/>
+    <ds:schemaRef ds:uri="http://schemas.openxmlformats.org/package/2006/metadata/core-properties"/>
+    <ds:schemaRef ds:uri="7ad3a833-0b26-4e6c-9723-c963fb90c3a3"/>
+    <ds:schemaRef ds:uri="http://www.w3.org/XML/1998/namespace"/>
+    <ds:schemaRef ds:uri="http://schemas.microsoft.com/office/infopath/2007/PartnerControls"/>
+    <ds:schemaRef ds:uri="http://purl.org/dc/terms/"/>
+  </ds:schemaRefs>
+</ds:datastoreItem>
 </file>
 
-<file path=customXml/item3.xml><?xml version="1.0" encoding="utf-8"?>
-<p:properties xmlns:p="http://schemas.microsoft.com/office/2006/metadata/properties" xmlns:xsi="http://www.w3.org/2001/XMLSchema-instance" xmlns:pc="http://schemas.microsoft.com/office/infopath/2007/PartnerControls">
-  <documentManagement>
-    <_activity xmlns="7ad3a833-0b26-4e6c-9723-c963fb90c3a3" xsi:nil="true"/>
-  </documentManagement>
-</p:properties>
+<file path=customXml/itemProps2.xml><?xml version="1.0" encoding="utf-8"?>
+<ds:datastoreItem xmlns:ds="http://schemas.openxmlformats.org/officeDocument/2006/customXml" ds:itemID="{058AE507-6F5C-4B0B-8EE0-2B52F000D6F1}">
+  <ds:schemaRefs>
+    <ds:schemaRef ds:uri="http://schemas.microsoft.com/sharepoint/v3/contenttype/forms"/>
+  </ds:schemaRefs>
+</ds:datastoreItem>
 </file>
 
-<file path=customXml/itemProps1.xml><?xml version="1.0" encoding="utf-8"?>
+<file path=customXml/itemProps3.xml><?xml version="1.0" encoding="utf-8"?>
 <ds:datastoreItem xmlns:ds="http://schemas.openxmlformats.org/officeDocument/2006/customXml" ds:itemID="{CCAFAD43-0B76-43DE-A920-97626BCC790D}">
   <ds:schemaRefs>
     <ds:schemaRef ds:uri="http://schemas.microsoft.com/office/2006/metadata/contentType"/>
@@ -5524,29 +5570,4 @@
     <ds:schemaRef ds:uri="http://schemas.microsoft.com/internal/obd"/>
   </ds:schemaRefs>
 </ds:datastoreItem>
-</file>
-
-<file path=customXml/itemProps2.xml><?xml version="1.0" encoding="utf-8"?>
-<ds:datastoreItem xmlns:ds="http://schemas.openxmlformats.org/officeDocument/2006/customXml" ds:itemID="{058AE507-6F5C-4B0B-8EE0-2B52F000D6F1}">
-  <ds:schemaRefs>
-    <ds:schemaRef ds:uri="http://schemas.microsoft.com/sharepoint/v3/contenttype/forms"/>
-  </ds:schemaRefs>
-</ds:datastoreItem>
-</file>
-
-<file path=customXml/itemProps3.xml><?xml version="1.0" encoding="utf-8"?>
-<ds:datastoreItem xmlns:ds="http://schemas.openxmlformats.org/officeDocument/2006/customXml" ds:itemID="{CF6CFDA9-A9D9-42A7-9E50-FB1D61822486}">
-  <ds:schemaRefs>
-    <ds:schemaRef ds:uri="http://schemas.microsoft.com/office/2006/documentManagement/types"/>
-    <ds:schemaRef ds:uri="http://schemas.microsoft.com/office/2006/metadata/properties"/>
-    <ds:schemaRef ds:uri="aa3e82dc-60db-414d-b17b-5e5beecd6b2c"/>
-    <ds:schemaRef ds:uri="http://purl.org/dc/elements/1.1/"/>
-    <ds:schemaRef ds:uri="http://purl.org/dc/dcmitype/"/>
-    <ds:schemaRef ds:uri="http://schemas.openxmlformats.org/package/2006/metadata/core-properties"/>
-    <ds:schemaRef ds:uri="7ad3a833-0b26-4e6c-9723-c963fb90c3a3"/>
-    <ds:schemaRef ds:uri="http://www.w3.org/XML/1998/namespace"/>
-    <ds:schemaRef ds:uri="http://schemas.microsoft.com/office/infopath/2007/PartnerControls"/>
-    <ds:schemaRef ds:uri="http://purl.org/dc/terms/"/>
-  </ds:schemaRefs>
-</ds:datastoreItem>
 </file>